--- a/docum/mdk-pres.pptx
+++ b/docum/mdk-pres.pptx
@@ -5,10 +5,10 @@
     <p:sldMasterId id="2147483648" r:id="rId1"/>
   </p:sldMasterIdLst>
   <p:notesMasterIdLst>
-    <p:notesMasterId r:id="rId11"/>
+    <p:notesMasterId r:id="rId12"/>
   </p:notesMasterIdLst>
   <p:handoutMasterIdLst>
-    <p:handoutMasterId r:id="rId12"/>
+    <p:handoutMasterId r:id="rId13"/>
   </p:handoutMasterIdLst>
   <p:sldIdLst>
     <p:sldId id="256" r:id="rId3"/>
@@ -19,6 +19,7 @@
     <p:sldId id="261" r:id="rId8"/>
     <p:sldId id="262" r:id="rId9"/>
     <p:sldId id="263" r:id="rId10"/>
+    <p:sldId id="265" r:id="rId11"/>
   </p:sldIdLst>
   <p:sldSz cx="12192000" cy="6858000"/>
   <p:notesSz cx="7103745" cy="10234295"/>
@@ -5230,6 +5231,96 @@
               </a:solidFill>
               <a:latin typeface="Bahnschrift" panose="020B0502040204020203" charset="0"/>
               <a:cs typeface="Bahnschrift" panose="020B0502040204020203" charset="0"/>
+            </a:endParaRPr>
+          </a:p>
+        </p:txBody>
+      </p:sp>
+    </p:spTree>
+  </p:cSld>
+  <p:clrMapOvr>
+    <a:masterClrMapping/>
+  </p:clrMapOvr>
+</p:sld>
+</file>
+
+<file path=ppt/slides/slide9.xml><?xml version="1.0" encoding="utf-8"?>
+<p:sld xmlns:a="http://schemas.openxmlformats.org/drawingml/2006/main" xmlns:r="http://schemas.openxmlformats.org/officeDocument/2006/relationships" xmlns:p="http://schemas.openxmlformats.org/presentationml/2006/main">
+  <p:cSld>
+    <p:spTree>
+      <p:nvGrpSpPr>
+        <p:cNvPr id="1" name=""/>
+        <p:cNvGrpSpPr/>
+        <p:nvPr/>
+      </p:nvGrpSpPr>
+      <p:grpSpPr/>
+      <p:pic>
+        <p:nvPicPr>
+          <p:cNvPr id="3" name="Изображение 2" descr="qrcode_unsaved1.github.io"/>
+          <p:cNvPicPr>
+            <a:picLocks noChangeAspect="1"/>
+          </p:cNvPicPr>
+          <p:nvPr/>
+        </p:nvPicPr>
+        <p:blipFill>
+          <a:blip r:embed="rId1"/>
+          <a:stretch>
+            <a:fillRect/>
+          </a:stretch>
+        </p:blipFill>
+        <p:spPr>
+          <a:xfrm>
+            <a:off x="3952875" y="591820"/>
+            <a:ext cx="4286250" cy="4286250"/>
+          </a:xfrm>
+          <a:prstGeom prst="rect">
+            <a:avLst/>
+          </a:prstGeom>
+        </p:spPr>
+      </p:pic>
+      <p:sp>
+        <p:nvSpPr>
+          <p:cNvPr id="4" name="TextBox 1"/>
+          <p:cNvSpPr txBox="1"/>
+          <p:nvPr/>
+        </p:nvSpPr>
+        <p:spPr>
+          <a:xfrm>
+            <a:off x="2527935" y="5050155"/>
+            <a:ext cx="7136130" cy="460375"/>
+          </a:xfrm>
+          <a:prstGeom prst="rect">
+            <a:avLst/>
+          </a:prstGeom>
+          <a:noFill/>
+        </p:spPr>
+        <p:txBody>
+          <a:bodyPr wrap="square" rtlCol="0">
+            <a:spAutoFit/>
+          </a:bodyPr>
+          <a:p>
+            <a:pPr algn="ctr"/>
+            <a:r>
+              <a:rPr lang="ru-RU" sz="2400" dirty="0">
+                <a:solidFill>
+                  <a:schemeClr val="accent1">
+                    <a:lumMod val="75000"/>
+                  </a:schemeClr>
+                </a:solidFill>
+                <a:latin typeface="Impact" panose="020B0806030902050204" charset="0"/>
+                <a:cs typeface="Impact" panose="020B0806030902050204" charset="0"/>
+                <a:sym typeface="+mn-ea"/>
+              </a:rPr>
+              <a:t>https://unsaved1.github.io/portfolio/dist/mdk/</a:t>
+            </a:r>
+            <a:endParaRPr lang="ru-RU" sz="2400" dirty="0">
+              <a:solidFill>
+                <a:schemeClr val="accent1">
+                  <a:lumMod val="75000"/>
+                </a:schemeClr>
+              </a:solidFill>
+              <a:latin typeface="Impact" panose="020B0806030902050204" charset="0"/>
+              <a:cs typeface="Impact" panose="020B0806030902050204" charset="0"/>
+              <a:sym typeface="+mn-ea"/>
             </a:endParaRPr>
           </a:p>
         </p:txBody>
